--- a/project_description/Presentation1.pptx
+++ b/project_description/Presentation1.pptx
@@ -104,6 +104,11 @@
       </a:defRPr>
     </a:lvl9pPr>
   </p:defaultTextStyle>
+  <p:extLst>
+    <p:ext uri="{EFAFB233-063F-42B5-8137-9DF3F51BA10A}">
+      <p15:sldGuideLst xmlns:p15="http://schemas.microsoft.com/office/powerpoint/2012/main"/>
+    </p:ext>
+  </p:extLst>
 </p:presentation>
 </file>
 
@@ -3841,7 +3846,7 @@
               <a:pPr algn="ctr"/>
               <a:r>
                 <a:rPr lang="en-US" dirty="0"/>
-                <a:t>Controller Design</a:t>
+                <a:t>Estimator (RLS)</a:t>
               </a:r>
               <a:endParaRPr lang="en-CA" dirty="0"/>
             </a:p>
@@ -4267,8 +4272,8 @@
             </a:fontRef>
           </p:style>
         </p:cxnSp>
-        <mc:AlternateContent xmlns:mc="http://schemas.openxmlformats.org/markup-compatibility/2006">
-          <mc:Choice xmlns:a14="http://schemas.microsoft.com/office/drawing/2010/main" Requires="a14">
+        <mc:AlternateContent xmlns:mc="http://schemas.openxmlformats.org/markup-compatibility/2006" xmlns:a14="http://schemas.microsoft.com/office/drawing/2010/main">
+          <mc:Choice Requires="a14">
             <p:sp>
               <p:nvSpPr>
                 <p:cNvPr id="73" name="TextBox 72">
@@ -4297,6 +4302,7 @@
                 </a:bodyPr>
                 <a:lstStyle/>
                 <a:p>
+                  <a:pPr/>
                   <a14:m>
                     <m:oMathPara xmlns:m="http://schemas.openxmlformats.org/officeDocument/2006/math">
                       <m:oMathParaPr>
@@ -4317,7 +4323,7 @@
               </p:txBody>
             </p:sp>
           </mc:Choice>
-          <mc:Fallback>
+          <mc:Fallback xmlns="">
             <p:sp>
               <p:nvSpPr>
                 <p:cNvPr id="73" name="TextBox 72">
@@ -4362,8 +4368,8 @@
             </p:sp>
           </mc:Fallback>
         </mc:AlternateContent>
-        <mc:AlternateContent xmlns:mc="http://schemas.openxmlformats.org/markup-compatibility/2006">
-          <mc:Choice xmlns:a14="http://schemas.microsoft.com/office/drawing/2010/main" Requires="a14">
+        <mc:AlternateContent xmlns:mc="http://schemas.openxmlformats.org/markup-compatibility/2006" xmlns:a14="http://schemas.microsoft.com/office/drawing/2010/main">
+          <mc:Choice Requires="a14">
             <p:sp>
               <p:nvSpPr>
                 <p:cNvPr id="74" name="TextBox 73">
@@ -4392,6 +4398,7 @@
                 </a:bodyPr>
                 <a:lstStyle/>
                 <a:p>
+                  <a:pPr/>
                   <a14:m>
                     <m:oMathPara xmlns:m="http://schemas.openxmlformats.org/officeDocument/2006/math">
                       <m:oMathParaPr>
@@ -4412,7 +4419,7 @@
               </p:txBody>
             </p:sp>
           </mc:Choice>
-          <mc:Fallback>
+          <mc:Fallback xmlns="">
             <p:sp>
               <p:nvSpPr>
                 <p:cNvPr id="74" name="TextBox 73">
